--- a/Slides/ECTTP_Les_1_What_Is_Programming.pptx
+++ b/Slides/ECTTP_Les_1_What_Is_Programming.pptx
@@ -215,7 +215,7 @@
           <a:p>
             <a:fld id="{982F5773-A4C2-49AD-B804-F6F9DAD548FC}" type="datetimeFigureOut">
               <a:rPr lang="nl-NL" smtClean="0"/>
-              <a:t>6-9-2016</a:t>
+              <a:t>3-9-2017</a:t>
             </a:fld>
             <a:endParaRPr lang="nl-NL"/>
           </a:p>
@@ -2086,7 +2086,7 @@
           <a:p>
             <a:fld id="{DE04339C-2201-45A8-9ECB-B18791DD5D3F}" type="datetimeFigureOut">
               <a:rPr lang="nl-NL" smtClean="0"/>
-              <a:t>6-9-2016</a:t>
+              <a:t>3-9-2017</a:t>
             </a:fld>
             <a:endParaRPr lang="nl-NL"/>
           </a:p>
@@ -2251,7 +2251,7 @@
           <a:p>
             <a:fld id="{DE04339C-2201-45A8-9ECB-B18791DD5D3F}" type="datetimeFigureOut">
               <a:rPr lang="nl-NL" smtClean="0"/>
-              <a:t>6-9-2016</a:t>
+              <a:t>3-9-2017</a:t>
             </a:fld>
             <a:endParaRPr lang="nl-NL"/>
           </a:p>
@@ -2426,7 +2426,7 @@
           <a:p>
             <a:fld id="{DE04339C-2201-45A8-9ECB-B18791DD5D3F}" type="datetimeFigureOut">
               <a:rPr lang="nl-NL" smtClean="0"/>
-              <a:t>6-9-2016</a:t>
+              <a:t>3-9-2017</a:t>
             </a:fld>
             <a:endParaRPr lang="nl-NL"/>
           </a:p>
@@ -2609,7 +2609,7 @@
           <a:p>
             <a:fld id="{DE04339C-2201-45A8-9ECB-B18791DD5D3F}" type="datetimeFigureOut">
               <a:rPr lang="nl-NL" smtClean="0"/>
-              <a:t>6-9-2016</a:t>
+              <a:t>3-9-2017</a:t>
             </a:fld>
             <a:endParaRPr lang="nl-NL"/>
           </a:p>
@@ -2871,7 +2871,7 @@
           <a:p>
             <a:fld id="{DE04339C-2201-45A8-9ECB-B18791DD5D3F}" type="datetimeFigureOut">
               <a:rPr lang="nl-NL" smtClean="0"/>
-              <a:t>6-9-2016</a:t>
+              <a:t>3-9-2017</a:t>
             </a:fld>
             <a:endParaRPr lang="nl-NL"/>
           </a:p>
@@ -3219,7 +3219,7 @@
           <a:p>
             <a:fld id="{DE04339C-2201-45A8-9ECB-B18791DD5D3F}" type="datetimeFigureOut">
               <a:rPr lang="nl-NL" smtClean="0"/>
-              <a:t>6-9-2016</a:t>
+              <a:t>3-9-2017</a:t>
             </a:fld>
             <a:endParaRPr lang="nl-NL"/>
           </a:p>
@@ -3527,7 +3527,7 @@
           <a:p>
             <a:fld id="{DE04339C-2201-45A8-9ECB-B18791DD5D3F}" type="datetimeFigureOut">
               <a:rPr lang="nl-NL" smtClean="0"/>
-              <a:t>6-9-2016</a:t>
+              <a:t>3-9-2017</a:t>
             </a:fld>
             <a:endParaRPr lang="nl-NL"/>
           </a:p>
@@ -3754,7 +3754,7 @@
           <a:p>
             <a:fld id="{DE04339C-2201-45A8-9ECB-B18791DD5D3F}" type="datetimeFigureOut">
               <a:rPr lang="nl-NL" smtClean="0"/>
-              <a:t>6-9-2016</a:t>
+              <a:t>3-9-2017</a:t>
             </a:fld>
             <a:endParaRPr lang="nl-NL"/>
           </a:p>
@@ -3844,7 +3844,7 @@
           <a:p>
             <a:fld id="{DE04339C-2201-45A8-9ECB-B18791DD5D3F}" type="datetimeFigureOut">
               <a:rPr lang="nl-NL" smtClean="0"/>
-              <a:t>6-9-2016</a:t>
+              <a:t>3-9-2017</a:t>
             </a:fld>
             <a:endParaRPr lang="nl-NL"/>
           </a:p>
@@ -4132,7 +4132,7 @@
           <a:p>
             <a:fld id="{DE04339C-2201-45A8-9ECB-B18791DD5D3F}" type="datetimeFigureOut">
               <a:rPr lang="nl-NL" smtClean="0"/>
-              <a:t>6-9-2016</a:t>
+              <a:t>3-9-2017</a:t>
             </a:fld>
             <a:endParaRPr lang="nl-NL"/>
           </a:p>
@@ -4401,7 +4401,7 @@
           <a:p>
             <a:fld id="{DE04339C-2201-45A8-9ECB-B18791DD5D3F}" type="datetimeFigureOut">
               <a:rPr lang="nl-NL" smtClean="0"/>
-              <a:t>6-9-2016</a:t>
+              <a:t>3-9-2017</a:t>
             </a:fld>
             <a:endParaRPr lang="nl-NL"/>
           </a:p>
@@ -4611,7 +4611,7 @@
           <a:p>
             <a:fld id="{DE04339C-2201-45A8-9ECB-B18791DD5D3F}" type="datetimeFigureOut">
               <a:rPr lang="nl-NL" smtClean="0"/>
-              <a:t>6-9-2016</a:t>
+              <a:t>3-9-2017</a:t>
             </a:fld>
             <a:endParaRPr lang="nl-NL"/>
           </a:p>
@@ -6759,7 +6759,15 @@
           <a:p>
             <a:r>
               <a:rPr lang="nl-NL" dirty="0" smtClean="0"/>
-              <a:t>Download Python 3.5.2: </a:t>
+              <a:t>Download Python </a:t>
+            </a:r>
+            <a:r>
+              <a:rPr lang="nl-NL" dirty="0" smtClean="0"/>
+              <a:t>3.6.2</a:t>
+            </a:r>
+            <a:r>
+              <a:rPr lang="nl-NL" dirty="0" smtClean="0"/>
+              <a:t>: </a:t>
             </a:r>
           </a:p>
           <a:p>
@@ -6783,8 +6791,13 @@
           <a:p>
             <a:r>
               <a:rPr lang="nl-NL" dirty="0" smtClean="0"/>
-              <a:t>Download Processing 3.2.1:</a:t>
-            </a:r>
+              <a:t>Download Processing </a:t>
+            </a:r>
+            <a:r>
+              <a:rPr lang="nl-NL" dirty="0" smtClean="0"/>
+              <a:t>3.3.5:</a:t>
+            </a:r>
+            <a:endParaRPr lang="nl-NL" dirty="0" smtClean="0"/>
           </a:p>
           <a:p>
             <a:r>
@@ -7212,16 +7225,25 @@
           <a:p>
             <a:r>
               <a:rPr lang="nl-NL" dirty="0" smtClean="0"/>
-              <a:t>Valentijn Muijrers (27)</a:t>
-            </a:r>
-          </a:p>
-          <a:p>
+              <a:t>Valentijn Muijrers (</a:t>
+            </a:r>
+            <a:r>
+              <a:rPr lang="nl-NL" dirty="0" smtClean="0"/>
+              <a:t>28)</a:t>
+            </a:r>
             <a:endParaRPr lang="nl-NL" dirty="0" smtClean="0"/>
           </a:p>
           <a:p>
-            <a:r>
-              <a:rPr lang="nl-NL" dirty="0" smtClean="0"/>
-              <a:t>3 jaar HKU teacher in programming courses</a:t>
+            <a:endParaRPr lang="nl-NL" dirty="0" smtClean="0"/>
+          </a:p>
+          <a:p>
+            <a:r>
+              <a:rPr lang="nl-NL" dirty="0" smtClean="0"/>
+              <a:t>4 </a:t>
+            </a:r>
+            <a:r>
+              <a:rPr lang="nl-NL" dirty="0" smtClean="0"/>
+              <a:t>jaar HKU teacher in programming courses</a:t>
             </a:r>
           </a:p>
           <a:p>
@@ -7493,19 +7515,23 @@
           <a:p>
             <a:r>
               <a:rPr lang="nl-NL" dirty="0" smtClean="0"/>
-              <a:t>Int_MyIntegerVar = 10</a:t>
-            </a:r>
-          </a:p>
-          <a:p>
-            <a:r>
-              <a:rPr lang="nl-NL" dirty="0" smtClean="0"/>
-              <a:t>String_MyStringVar = “Hello”</a:t>
-            </a:r>
-          </a:p>
-          <a:p>
-            <a:r>
-              <a:rPr lang="nl-NL" dirty="0" smtClean="0"/>
-              <a:t>Float_MyFloatVar = 1.0</a:t>
+              <a:t>int_MyIntegerVar = 10</a:t>
+            </a:r>
+          </a:p>
+          <a:p>
+            <a:r>
+              <a:rPr lang="nl-NL" dirty="0" smtClean="0"/>
+              <a:t>string_MyStringVar = “Hello”</a:t>
+            </a:r>
+          </a:p>
+          <a:p>
+            <a:r>
+              <a:rPr lang="nl-NL" smtClean="0"/>
+              <a:t>float_MyFloatVar </a:t>
+            </a:r>
+            <a:r>
+              <a:rPr lang="nl-NL" dirty="0" smtClean="0"/>
+              <a:t>= 1.0</a:t>
             </a:r>
           </a:p>
           <a:p>
@@ -7906,12 +7932,142 @@
               <a:rPr lang="nl-NL" sz="1800" dirty="0" smtClean="0">
                 <a:hlinkClick r:id="rId2"/>
               </a:rPr>
-              <a:t>github.com/vmuijrers/ECTTP/blob/master/</a:t>
-            </a:r>
+              <a:t>github.com/vmuijrers/ECTTP/blob/master/Labs/Lab_1.md</a:t>
+            </a:r>
+            <a:endParaRPr lang="nl-NL" sz="1800" dirty="0" smtClean="0"/>
+          </a:p>
+          <a:p>
+            <a:endParaRPr lang="nl-NL" sz="1800" dirty="0"/>
+          </a:p>
+          <a:p>
             <a:r>
               <a:rPr lang="nl-NL" sz="1800" dirty="0" smtClean="0"/>
-              <a:t>Labs/Lab_1.md</a:t>
-            </a:r>
+              <a:t>The deadline of </a:t>
+            </a:r>
+            <a:r>
+              <a:rPr lang="nl-NL" sz="1800" dirty="0" err="1" smtClean="0"/>
+              <a:t>each</a:t>
+            </a:r>
+            <a:r>
+              <a:rPr lang="nl-NL" sz="1800" dirty="0" smtClean="0"/>
+              <a:t> lab is 24 </a:t>
+            </a:r>
+            <a:r>
+              <a:rPr lang="nl-NL" sz="1800" dirty="0" err="1" smtClean="0"/>
+              <a:t>hours</a:t>
+            </a:r>
+            <a:r>
+              <a:rPr lang="nl-NL" sz="1800" dirty="0" smtClean="0"/>
+              <a:t> </a:t>
+            </a:r>
+            <a:r>
+              <a:rPr lang="nl-NL" sz="1800" dirty="0" err="1" smtClean="0"/>
+              <a:t>after</a:t>
+            </a:r>
+            <a:r>
+              <a:rPr lang="nl-NL" sz="1800" dirty="0" smtClean="0"/>
+              <a:t> </a:t>
+            </a:r>
+            <a:r>
+              <a:rPr lang="nl-NL" sz="1800" dirty="0" err="1" smtClean="0"/>
+              <a:t>you</a:t>
+            </a:r>
+            <a:r>
+              <a:rPr lang="nl-NL" sz="1800" dirty="0" smtClean="0"/>
+              <a:t> had the lab.</a:t>
+            </a:r>
+          </a:p>
+          <a:p>
+            <a:r>
+              <a:rPr lang="nl-NL" sz="1800" dirty="0" err="1" smtClean="0"/>
+              <a:t>You</a:t>
+            </a:r>
+            <a:r>
+              <a:rPr lang="nl-NL" sz="1800" dirty="0" smtClean="0"/>
+              <a:t> </a:t>
+            </a:r>
+            <a:r>
+              <a:rPr lang="nl-NL" sz="1800" dirty="0" err="1" smtClean="0"/>
+              <a:t>can</a:t>
+            </a:r>
+            <a:r>
+              <a:rPr lang="nl-NL" sz="1800" dirty="0" smtClean="0"/>
+              <a:t> </a:t>
+            </a:r>
+            <a:r>
+              <a:rPr lang="nl-NL" sz="1800" dirty="0" err="1" smtClean="0"/>
+              <a:t>submit</a:t>
+            </a:r>
+            <a:r>
+              <a:rPr lang="nl-NL" sz="1800" dirty="0" smtClean="0"/>
+              <a:t> </a:t>
+            </a:r>
+            <a:r>
+              <a:rPr lang="nl-NL" sz="1800" dirty="0" err="1" smtClean="0"/>
+              <a:t>your</a:t>
+            </a:r>
+            <a:r>
+              <a:rPr lang="nl-NL" sz="1800" dirty="0" smtClean="0"/>
+              <a:t> code </a:t>
+            </a:r>
+            <a:r>
+              <a:rPr lang="nl-NL" sz="1800" dirty="0" err="1" smtClean="0"/>
+              <a:t>through</a:t>
+            </a:r>
+            <a:r>
+              <a:rPr lang="nl-NL" sz="1800" dirty="0" smtClean="0"/>
+              <a:t> the </a:t>
+            </a:r>
+            <a:r>
+              <a:rPr lang="nl-NL" sz="1800" dirty="0" err="1" smtClean="0"/>
+              <a:t>submitsystem</a:t>
+            </a:r>
+            <a:r>
+              <a:rPr lang="nl-NL" sz="1800" dirty="0" smtClean="0"/>
+              <a:t> (</a:t>
+            </a:r>
+            <a:r>
+              <a:rPr lang="nl-NL" sz="1800" dirty="0" err="1" smtClean="0"/>
+              <a:t>with</a:t>
+            </a:r>
+            <a:r>
+              <a:rPr lang="nl-NL" sz="1800" dirty="0" smtClean="0"/>
+              <a:t> the right </a:t>
+            </a:r>
+            <a:r>
+              <a:rPr lang="nl-NL" sz="1800" dirty="0" err="1" smtClean="0"/>
+              <a:t>naming</a:t>
+            </a:r>
+            <a:r>
+              <a:rPr lang="nl-NL" sz="1800" dirty="0" smtClean="0"/>
+              <a:t> </a:t>
+            </a:r>
+            <a:r>
+              <a:rPr lang="nl-NL" sz="1800" dirty="0" err="1" smtClean="0"/>
+              <a:t>here,i.e</a:t>
+            </a:r>
+            <a:r>
+              <a:rPr lang="nl-NL" sz="1800" dirty="0" smtClean="0"/>
+              <a:t>. ECTTP_homework_achternaam_voornaam_labnr.zip):</a:t>
+            </a:r>
+          </a:p>
+          <a:p>
+            <a:endParaRPr lang="nl-NL" sz="1800" dirty="0"/>
+          </a:p>
+          <a:p>
+            <a:r>
+              <a:rPr lang="nl-NL" sz="1800"/>
+              <a:t>http://www.elvishasleftthebuilding.nl/ecttp/</a:t>
+            </a:r>
+            <a:endParaRPr lang="nl-NL" sz="1800" dirty="0" smtClean="0"/>
+          </a:p>
+          <a:p>
+            <a:endParaRPr lang="nl-NL" sz="1800" dirty="0" smtClean="0"/>
+          </a:p>
+          <a:p>
+            <a:endParaRPr lang="nl-NL" sz="1800" dirty="0"/>
+          </a:p>
+          <a:p>
             <a:endParaRPr lang="nl-NL" sz="1800" dirty="0"/>
           </a:p>
         </p:txBody>
@@ -8253,7 +8409,15 @@
           <a:p>
             <a:r>
               <a:rPr lang="en-US" dirty="0" smtClean="0"/>
-              <a:t>Every week there is a lab (there will be 10-12 in total)!</a:t>
+              <a:t>Every week there is a lab (there will be </a:t>
+            </a:r>
+            <a:r>
+              <a:rPr lang="en-US" dirty="0" smtClean="0"/>
+              <a:t>10 </a:t>
+            </a:r>
+            <a:r>
+              <a:rPr lang="en-US" dirty="0" smtClean="0"/>
+              <a:t>in total)!</a:t>
             </a:r>
           </a:p>
           <a:p>
@@ -8273,12 +8437,8 @@
           </a:p>
           <a:p>
             <a:r>
-              <a:rPr lang="en-US" smtClean="0"/>
-              <a:t>Grade</a:t>
-            </a:r>
-            <a:r>
               <a:rPr lang="en-US" dirty="0" smtClean="0"/>
-              <a:t>:</a:t>
+              <a:t>Grade:</a:t>
             </a:r>
           </a:p>
           <a:p>
